--- a/media/data_flow.pptx
+++ b/media/data_flow.pptx
@@ -199,7 +199,7 @@
           <a:p>
             <a:fld id="{6CD809A0-255C-4F7E-8063-A4DBC8CBFED2}" type="datetimeFigureOut">
               <a:rPr lang="zh-CN" altLang="en-US" smtClean="0"/>
-              <a:t>2019/3/7</a:t>
+              <a:t>2019/3/11</a:t>
             </a:fld>
             <a:endParaRPr lang="zh-CN" altLang="en-US"/>
           </a:p>
@@ -595,7 +595,7 @@
           <a:p>
             <a:fld id="{57293594-C346-4824-A7C8-046838B9F19C}" type="datetimeFigureOut">
               <a:rPr lang="zh-CN" altLang="en-US" smtClean="0"/>
-              <a:t>2019/3/7</a:t>
+              <a:t>2019/3/11</a:t>
             </a:fld>
             <a:endParaRPr lang="zh-CN" altLang="en-US"/>
           </a:p>
@@ -763,7 +763,7 @@
           <a:p>
             <a:fld id="{57293594-C346-4824-A7C8-046838B9F19C}" type="datetimeFigureOut">
               <a:rPr lang="zh-CN" altLang="en-US" smtClean="0"/>
-              <a:t>2019/3/7</a:t>
+              <a:t>2019/3/11</a:t>
             </a:fld>
             <a:endParaRPr lang="zh-CN" altLang="en-US"/>
           </a:p>
@@ -941,7 +941,7 @@
           <a:p>
             <a:fld id="{57293594-C346-4824-A7C8-046838B9F19C}" type="datetimeFigureOut">
               <a:rPr lang="zh-CN" altLang="en-US" smtClean="0"/>
-              <a:t>2019/3/7</a:t>
+              <a:t>2019/3/11</a:t>
             </a:fld>
             <a:endParaRPr lang="zh-CN" altLang="en-US"/>
           </a:p>
@@ -1109,7 +1109,7 @@
           <a:p>
             <a:fld id="{57293594-C346-4824-A7C8-046838B9F19C}" type="datetimeFigureOut">
               <a:rPr lang="zh-CN" altLang="en-US" smtClean="0"/>
-              <a:t>2019/3/7</a:t>
+              <a:t>2019/3/11</a:t>
             </a:fld>
             <a:endParaRPr lang="zh-CN" altLang="en-US"/>
           </a:p>
@@ -1354,7 +1354,7 @@
           <a:p>
             <a:fld id="{57293594-C346-4824-A7C8-046838B9F19C}" type="datetimeFigureOut">
               <a:rPr lang="zh-CN" altLang="en-US" smtClean="0"/>
-              <a:t>2019/3/7</a:t>
+              <a:t>2019/3/11</a:t>
             </a:fld>
             <a:endParaRPr lang="zh-CN" altLang="en-US"/>
           </a:p>
@@ -1583,7 +1583,7 @@
           <a:p>
             <a:fld id="{57293594-C346-4824-A7C8-046838B9F19C}" type="datetimeFigureOut">
               <a:rPr lang="zh-CN" altLang="en-US" smtClean="0"/>
-              <a:t>2019/3/7</a:t>
+              <a:t>2019/3/11</a:t>
             </a:fld>
             <a:endParaRPr lang="zh-CN" altLang="en-US"/>
           </a:p>
@@ -1947,7 +1947,7 @@
           <a:p>
             <a:fld id="{57293594-C346-4824-A7C8-046838B9F19C}" type="datetimeFigureOut">
               <a:rPr lang="zh-CN" altLang="en-US" smtClean="0"/>
-              <a:t>2019/3/7</a:t>
+              <a:t>2019/3/11</a:t>
             </a:fld>
             <a:endParaRPr lang="zh-CN" altLang="en-US"/>
           </a:p>
@@ -2064,7 +2064,7 @@
           <a:p>
             <a:fld id="{57293594-C346-4824-A7C8-046838B9F19C}" type="datetimeFigureOut">
               <a:rPr lang="zh-CN" altLang="en-US" smtClean="0"/>
-              <a:t>2019/3/7</a:t>
+              <a:t>2019/3/11</a:t>
             </a:fld>
             <a:endParaRPr lang="zh-CN" altLang="en-US"/>
           </a:p>
@@ -2159,7 +2159,7 @@
           <a:p>
             <a:fld id="{57293594-C346-4824-A7C8-046838B9F19C}" type="datetimeFigureOut">
               <a:rPr lang="zh-CN" altLang="en-US" smtClean="0"/>
-              <a:t>2019/3/7</a:t>
+              <a:t>2019/3/11</a:t>
             </a:fld>
             <a:endParaRPr lang="zh-CN" altLang="en-US"/>
           </a:p>
@@ -2434,7 +2434,7 @@
           <a:p>
             <a:fld id="{57293594-C346-4824-A7C8-046838B9F19C}" type="datetimeFigureOut">
               <a:rPr lang="zh-CN" altLang="en-US" smtClean="0"/>
-              <a:t>2019/3/7</a:t>
+              <a:t>2019/3/11</a:t>
             </a:fld>
             <a:endParaRPr lang="zh-CN" altLang="en-US"/>
           </a:p>
@@ -2686,7 +2686,7 @@
           <a:p>
             <a:fld id="{57293594-C346-4824-A7C8-046838B9F19C}" type="datetimeFigureOut">
               <a:rPr lang="zh-CN" altLang="en-US" smtClean="0"/>
-              <a:t>2019/3/7</a:t>
+              <a:t>2019/3/11</a:t>
             </a:fld>
             <a:endParaRPr lang="zh-CN" altLang="en-US"/>
           </a:p>
@@ -2897,7 +2897,7 @@
           <a:p>
             <a:fld id="{57293594-C346-4824-A7C8-046838B9F19C}" type="datetimeFigureOut">
               <a:rPr lang="zh-CN" altLang="en-US" smtClean="0"/>
-              <a:t>2019/3/7</a:t>
+              <a:t>2019/3/11</a:t>
             </a:fld>
             <a:endParaRPr lang="zh-CN" altLang="en-US"/>
           </a:p>
@@ -3986,8 +3986,8 @@
           </p:nvSpPr>
           <p:spPr>
             <a:xfrm>
-              <a:off x="6940306" y="2293768"/>
-              <a:ext cx="1691586" cy="523220"/>
+              <a:off x="6940306" y="2365907"/>
+              <a:ext cx="1691586" cy="307777"/>
             </a:xfrm>
             <a:prstGeom prst="rect">
               <a:avLst/>
@@ -4052,26 +4052,6 @@
                 <a:t>Topic</a:t>
               </a:r>
             </a:p>
-            <a:p>
-              <a:pPr algn="ctr"/>
-              <a:r>
-                <a:rPr kumimoji="1" lang="en-US" altLang="zh-CN" sz="1400" b="1" dirty="0">
-                  <a:solidFill>
-                    <a:srgbClr val="383C57"/>
-                  </a:solidFill>
-                  <a:latin typeface="Arial" panose="020B0604020202020204" pitchFamily="34" charset="0"/>
-                  <a:cs typeface="Arial" panose="020B0604020202020204" pitchFamily="34" charset="0"/>
-                </a:rPr>
-                <a:t>(Customer1)</a:t>
-              </a:r>
-              <a:endParaRPr kumimoji="1" lang="zh-CN" altLang="en-US" sz="1400" b="1" dirty="0">
-                <a:solidFill>
-                  <a:srgbClr val="383C57"/>
-                </a:solidFill>
-                <a:latin typeface="Arial" panose="020B0604020202020204" pitchFamily="34" charset="0"/>
-                <a:cs typeface="Arial" panose="020B0604020202020204" pitchFamily="34" charset="0"/>
-              </a:endParaRPr>
-            </a:p>
           </p:txBody>
         </p:sp>
         <p:pic>
@@ -4323,7 +4303,7 @@
                   <a:latin typeface="Arial" panose="020B0604020202020204" pitchFamily="34" charset="0"/>
                   <a:cs typeface="Arial" panose="020B0604020202020204" pitchFamily="34" charset="0"/>
                 </a:rPr>
-                <a:t>Streamsets</a:t>
+                <a:t>StreamSets</a:t>
               </a:r>
               <a:endParaRPr kumimoji="1" lang="zh-CN" altLang="en-US" sz="1400" dirty="0">
                 <a:solidFill>
@@ -4448,8 +4428,8 @@
           </p:nvSpPr>
           <p:spPr>
             <a:xfrm>
-              <a:off x="12821402" y="2293768"/>
-              <a:ext cx="1691586" cy="523220"/>
+              <a:off x="12821402" y="2399039"/>
+              <a:ext cx="1691586" cy="307777"/>
             </a:xfrm>
             <a:prstGeom prst="rect">
               <a:avLst/>
@@ -4513,26 +4493,6 @@
                 </a:rPr>
                 <a:t>Topic</a:t>
               </a:r>
-            </a:p>
-            <a:p>
-              <a:pPr algn="ctr"/>
-              <a:r>
-                <a:rPr kumimoji="1" lang="en-US" altLang="zh-CN" sz="1400" b="1" dirty="0">
-                  <a:solidFill>
-                    <a:srgbClr val="383C57"/>
-                  </a:solidFill>
-                  <a:latin typeface="Arial" panose="020B0604020202020204" pitchFamily="34" charset="0"/>
-                  <a:cs typeface="Arial" panose="020B0604020202020204" pitchFamily="34" charset="0"/>
-                </a:rPr>
-                <a:t>(Customer1)</a:t>
-              </a:r>
-              <a:endParaRPr kumimoji="1" lang="zh-CN" altLang="en-US" sz="1400" b="1" dirty="0">
-                <a:solidFill>
-                  <a:srgbClr val="383C57"/>
-                </a:solidFill>
-                <a:latin typeface="Arial" panose="020B0604020202020204" pitchFamily="34" charset="0"/>
-                <a:cs typeface="Arial" panose="020B0604020202020204" pitchFamily="34" charset="0"/>
-              </a:endParaRPr>
             </a:p>
           </p:txBody>
         </p:sp>
@@ -4964,8 +4924,8 @@
           </p:nvSpPr>
           <p:spPr>
             <a:xfrm>
-              <a:off x="8530976" y="4483360"/>
-              <a:ext cx="1691586" cy="523220"/>
+              <a:off x="8526093" y="4587786"/>
+              <a:ext cx="1691586" cy="307777"/>
             </a:xfrm>
             <a:prstGeom prst="rect">
               <a:avLst/>
@@ -4980,7 +4940,7 @@
             <a:p>
               <a:pPr algn="ctr"/>
               <a:r>
-                <a:rPr kumimoji="1" lang="en-US" altLang="zh-CN" sz="1400" b="1" dirty="0" err="1">
+                <a:rPr kumimoji="1" lang="en-US" altLang="zh-CN" sz="1400" b="1" dirty="0">
                   <a:solidFill>
                     <a:srgbClr val="383C57"/>
                   </a:solidFill>
@@ -4989,33 +4949,6 @@
                 </a:rPr>
                 <a:t>Redis</a:t>
               </a:r>
-              <a:endParaRPr kumimoji="1" lang="en-US" altLang="zh-CN" sz="1400" b="1" dirty="0">
-                <a:solidFill>
-                  <a:srgbClr val="383C57"/>
-                </a:solidFill>
-                <a:latin typeface="Arial" panose="020B0604020202020204" pitchFamily="34" charset="0"/>
-                <a:cs typeface="Arial" panose="020B0604020202020204" pitchFamily="34" charset="0"/>
-              </a:endParaRPr>
-            </a:p>
-            <a:p>
-              <a:pPr algn="ctr"/>
-              <a:r>
-                <a:rPr kumimoji="1" lang="en-US" altLang="zh-CN" sz="1400" b="1" dirty="0">
-                  <a:solidFill>
-                    <a:srgbClr val="383C57"/>
-                  </a:solidFill>
-                  <a:latin typeface="Arial" panose="020B0604020202020204" pitchFamily="34" charset="0"/>
-                  <a:cs typeface="Arial" panose="020B0604020202020204" pitchFamily="34" charset="0"/>
-                </a:rPr>
-                <a:t>(Customer1)</a:t>
-              </a:r>
-              <a:endParaRPr kumimoji="1" lang="zh-CN" altLang="en-US" sz="1400" b="1" dirty="0">
-                <a:solidFill>
-                  <a:srgbClr val="383C57"/>
-                </a:solidFill>
-                <a:latin typeface="Arial" panose="020B0604020202020204" pitchFamily="34" charset="0"/>
-                <a:cs typeface="Arial" panose="020B0604020202020204" pitchFamily="34" charset="0"/>
-              </a:endParaRPr>
             </a:p>
           </p:txBody>
         </p:sp>
@@ -5033,8 +4966,8 @@
           </p:nvSpPr>
           <p:spPr>
             <a:xfrm>
-              <a:off x="11880380" y="4502117"/>
-              <a:ext cx="1243431" cy="523220"/>
+              <a:off x="11747560" y="4644947"/>
+              <a:ext cx="1243431" cy="307777"/>
             </a:xfrm>
             <a:prstGeom prst="rect">
               <a:avLst/>
@@ -5058,26 +4991,6 @@
                 </a:rPr>
                 <a:t>TSDB</a:t>
               </a:r>
-            </a:p>
-            <a:p>
-              <a:pPr algn="ctr"/>
-              <a:r>
-                <a:rPr kumimoji="1" lang="en-US" altLang="zh-CN" sz="1400" b="1" dirty="0">
-                  <a:solidFill>
-                    <a:srgbClr val="383C57"/>
-                  </a:solidFill>
-                  <a:latin typeface="Arial" panose="020B0604020202020204" pitchFamily="34" charset="0"/>
-                  <a:cs typeface="Arial" panose="020B0604020202020204" pitchFamily="34" charset="0"/>
-                </a:rPr>
-                <a:t>(Customer1)</a:t>
-              </a:r>
-              <a:endParaRPr kumimoji="1" lang="zh-CN" altLang="en-US" sz="1400" b="1" dirty="0">
-                <a:solidFill>
-                  <a:srgbClr val="383C57"/>
-                </a:solidFill>
-                <a:latin typeface="Arial" panose="020B0604020202020204" pitchFamily="34" charset="0"/>
-                <a:cs typeface="Arial" panose="020B0604020202020204" pitchFamily="34" charset="0"/>
-              </a:endParaRPr>
             </a:p>
           </p:txBody>
         </p:sp>
@@ -6334,8 +6247,8 @@
           </p:nvSpPr>
           <p:spPr>
             <a:xfrm>
-              <a:off x="6940306" y="2293768"/>
-              <a:ext cx="1691586" cy="523220"/>
+              <a:off x="6929936" y="2362774"/>
+              <a:ext cx="1691586" cy="307777"/>
             </a:xfrm>
             <a:prstGeom prst="rect">
               <a:avLst/>
@@ -6400,26 +6313,6 @@
                 <a:t>Topic</a:t>
               </a:r>
             </a:p>
-            <a:p>
-              <a:pPr algn="ctr"/>
-              <a:r>
-                <a:rPr kumimoji="1" lang="en-US" altLang="zh-CN" sz="1400" b="1" dirty="0">
-                  <a:solidFill>
-                    <a:srgbClr val="383C57"/>
-                  </a:solidFill>
-                  <a:latin typeface="Arial" panose="020B0604020202020204" pitchFamily="34" charset="0"/>
-                  <a:cs typeface="Arial" panose="020B0604020202020204" pitchFamily="34" charset="0"/>
-                </a:rPr>
-                <a:t>(Customer1)</a:t>
-              </a:r>
-              <a:endParaRPr kumimoji="1" lang="zh-CN" altLang="en-US" sz="1400" b="1" dirty="0">
-                <a:solidFill>
-                  <a:srgbClr val="383C57"/>
-                </a:solidFill>
-                <a:latin typeface="Arial" panose="020B0604020202020204" pitchFamily="34" charset="0"/>
-                <a:cs typeface="Arial" panose="020B0604020202020204" pitchFamily="34" charset="0"/>
-              </a:endParaRPr>
-            </a:p>
           </p:txBody>
         </p:sp>
         <p:pic>
@@ -6671,7 +6564,7 @@
                   <a:latin typeface="Arial" panose="020B0604020202020204" pitchFamily="34" charset="0"/>
                   <a:cs typeface="Arial" panose="020B0604020202020204" pitchFamily="34" charset="0"/>
                 </a:rPr>
-                <a:t>Streamsets</a:t>
+                <a:t>StreamSets</a:t>
               </a:r>
               <a:endParaRPr kumimoji="1" lang="zh-CN" altLang="en-US" sz="1400" dirty="0">
                 <a:solidFill>
@@ -6796,8 +6689,8 @@
           </p:nvSpPr>
           <p:spPr>
             <a:xfrm>
-              <a:off x="12821402" y="2293768"/>
-              <a:ext cx="1691586" cy="523220"/>
+              <a:off x="12821402" y="2371797"/>
+              <a:ext cx="1691586" cy="307777"/>
             </a:xfrm>
             <a:prstGeom prst="rect">
               <a:avLst/>
@@ -6861,26 +6754,6 @@
                 </a:rPr>
                 <a:t>Topic</a:t>
               </a:r>
-            </a:p>
-            <a:p>
-              <a:pPr algn="ctr"/>
-              <a:r>
-                <a:rPr kumimoji="1" lang="en-US" altLang="zh-CN" sz="1400" b="1" dirty="0">
-                  <a:solidFill>
-                    <a:srgbClr val="383C57"/>
-                  </a:solidFill>
-                  <a:latin typeface="Arial" panose="020B0604020202020204" pitchFamily="34" charset="0"/>
-                  <a:cs typeface="Arial" panose="020B0604020202020204" pitchFamily="34" charset="0"/>
-                </a:rPr>
-                <a:t>(Customer1)</a:t>
-              </a:r>
-              <a:endParaRPr kumimoji="1" lang="zh-CN" altLang="en-US" sz="1400" b="1" dirty="0">
-                <a:solidFill>
-                  <a:srgbClr val="383C57"/>
-                </a:solidFill>
-                <a:latin typeface="Arial" panose="020B0604020202020204" pitchFamily="34" charset="0"/>
-                <a:cs typeface="Arial" panose="020B0604020202020204" pitchFamily="34" charset="0"/>
-              </a:endParaRPr>
             </a:p>
           </p:txBody>
         </p:sp>
@@ -7102,8 +6975,8 @@
           </p:nvSpPr>
           <p:spPr>
             <a:xfrm>
-              <a:off x="8530976" y="4483360"/>
-              <a:ext cx="1691586" cy="523220"/>
+              <a:off x="8519235" y="4586919"/>
+              <a:ext cx="1691586" cy="307777"/>
             </a:xfrm>
             <a:prstGeom prst="rect">
               <a:avLst/>
@@ -7118,7 +6991,7 @@
             <a:p>
               <a:pPr algn="ctr"/>
               <a:r>
-                <a:rPr kumimoji="1" lang="en-US" altLang="zh-CN" sz="1400" b="1" dirty="0" err="1">
+                <a:rPr kumimoji="1" lang="en-US" altLang="zh-CN" sz="1400" b="1" dirty="0">
                   <a:solidFill>
                     <a:srgbClr val="383C57"/>
                   </a:solidFill>
@@ -7127,33 +7000,6 @@
                 </a:rPr>
                 <a:t>Redis</a:t>
               </a:r>
-              <a:endParaRPr kumimoji="1" lang="en-US" altLang="zh-CN" sz="1400" b="1" dirty="0">
-                <a:solidFill>
-                  <a:srgbClr val="383C57"/>
-                </a:solidFill>
-                <a:latin typeface="Arial" panose="020B0604020202020204" pitchFamily="34" charset="0"/>
-                <a:cs typeface="Arial" panose="020B0604020202020204" pitchFamily="34" charset="0"/>
-              </a:endParaRPr>
-            </a:p>
-            <a:p>
-              <a:pPr algn="ctr"/>
-              <a:r>
-                <a:rPr kumimoji="1" lang="en-US" altLang="zh-CN" sz="1400" b="1" dirty="0">
-                  <a:solidFill>
-                    <a:srgbClr val="383C57"/>
-                  </a:solidFill>
-                  <a:latin typeface="Arial" panose="020B0604020202020204" pitchFamily="34" charset="0"/>
-                  <a:cs typeface="Arial" panose="020B0604020202020204" pitchFamily="34" charset="0"/>
-                </a:rPr>
-                <a:t>(Customer1)</a:t>
-              </a:r>
-              <a:endParaRPr kumimoji="1" lang="zh-CN" altLang="en-US" sz="1400" b="1" dirty="0">
-                <a:solidFill>
-                  <a:srgbClr val="383C57"/>
-                </a:solidFill>
-                <a:latin typeface="Arial" panose="020B0604020202020204" pitchFamily="34" charset="0"/>
-                <a:cs typeface="Arial" panose="020B0604020202020204" pitchFamily="34" charset="0"/>
-              </a:endParaRPr>
             </a:p>
           </p:txBody>
         </p:sp>
@@ -7171,8 +7017,8 @@
           </p:nvSpPr>
           <p:spPr>
             <a:xfrm>
-              <a:off x="11880380" y="4502117"/>
-              <a:ext cx="1243431" cy="523220"/>
+              <a:off x="11744067" y="4628255"/>
+              <a:ext cx="1243431" cy="307777"/>
             </a:xfrm>
             <a:prstGeom prst="rect">
               <a:avLst/>
@@ -7196,26 +7042,6 @@
                 </a:rPr>
                 <a:t>TSDB</a:t>
               </a:r>
-            </a:p>
-            <a:p>
-              <a:pPr algn="ctr"/>
-              <a:r>
-                <a:rPr kumimoji="1" lang="en-US" altLang="zh-CN" sz="1400" b="1" dirty="0">
-                  <a:solidFill>
-                    <a:srgbClr val="383C57"/>
-                  </a:solidFill>
-                  <a:latin typeface="Arial" panose="020B0604020202020204" pitchFamily="34" charset="0"/>
-                  <a:cs typeface="Arial" panose="020B0604020202020204" pitchFamily="34" charset="0"/>
-                </a:rPr>
-                <a:t>(Customer1)</a:t>
-              </a:r>
-              <a:endParaRPr kumimoji="1" lang="zh-CN" altLang="en-US" sz="1400" b="1" dirty="0">
-                <a:solidFill>
-                  <a:srgbClr val="383C57"/>
-                </a:solidFill>
-                <a:latin typeface="Arial" panose="020B0604020202020204" pitchFamily="34" charset="0"/>
-                <a:cs typeface="Arial" panose="020B0604020202020204" pitchFamily="34" charset="0"/>
-              </a:endParaRPr>
             </a:p>
           </p:txBody>
         </p:sp>
@@ -8759,8 +8585,8 @@
           </p:nvSpPr>
           <p:spPr>
             <a:xfrm>
-              <a:off x="6940306" y="2293768"/>
-              <a:ext cx="1691586" cy="523220"/>
+              <a:off x="6947394" y="2398194"/>
+              <a:ext cx="1691586" cy="307777"/>
             </a:xfrm>
             <a:prstGeom prst="rect">
               <a:avLst/>
@@ -8825,26 +8651,6 @@
                 <a:t>Topic</a:t>
               </a:r>
             </a:p>
-            <a:p>
-              <a:pPr algn="ctr"/>
-              <a:r>
-                <a:rPr kumimoji="1" lang="en-US" altLang="zh-CN" sz="1400" b="1" dirty="0">
-                  <a:solidFill>
-                    <a:srgbClr val="383C57"/>
-                  </a:solidFill>
-                  <a:latin typeface="Arial" panose="020B0604020202020204" pitchFamily="34" charset="0"/>
-                  <a:cs typeface="Arial" panose="020B0604020202020204" pitchFamily="34" charset="0"/>
-                </a:rPr>
-                <a:t>(Customer1)</a:t>
-              </a:r>
-              <a:endParaRPr kumimoji="1" lang="zh-CN" altLang="en-US" sz="1400" b="1" dirty="0">
-                <a:solidFill>
-                  <a:srgbClr val="383C57"/>
-                </a:solidFill>
-                <a:latin typeface="Arial" panose="020B0604020202020204" pitchFamily="34" charset="0"/>
-                <a:cs typeface="Arial" panose="020B0604020202020204" pitchFamily="34" charset="0"/>
-              </a:endParaRPr>
-            </a:p>
           </p:txBody>
         </p:sp>
         <p:pic>
@@ -9096,7 +8902,7 @@
                   <a:latin typeface="Arial" panose="020B0604020202020204" pitchFamily="34" charset="0"/>
                   <a:cs typeface="Arial" panose="020B0604020202020204" pitchFamily="34" charset="0"/>
                 </a:rPr>
-                <a:t>Streamsets</a:t>
+                <a:t>StreamSets</a:t>
               </a:r>
               <a:endParaRPr kumimoji="1" lang="zh-CN" altLang="en-US" sz="1400" dirty="0">
                 <a:solidFill>
@@ -9221,8 +9027,8 @@
           </p:nvSpPr>
           <p:spPr>
             <a:xfrm>
-              <a:off x="12821402" y="2293768"/>
-              <a:ext cx="1691586" cy="523220"/>
+              <a:off x="12806481" y="2374016"/>
+              <a:ext cx="1691586" cy="307777"/>
             </a:xfrm>
             <a:prstGeom prst="rect">
               <a:avLst/>
@@ -9287,26 +9093,6 @@
                 <a:t>Topic</a:t>
               </a:r>
             </a:p>
-            <a:p>
-              <a:pPr algn="ctr"/>
-              <a:r>
-                <a:rPr kumimoji="1" lang="en-US" altLang="zh-CN" sz="1400" b="1" dirty="0">
-                  <a:solidFill>
-                    <a:srgbClr val="383C57"/>
-                  </a:solidFill>
-                  <a:latin typeface="Arial" panose="020B0604020202020204" pitchFamily="34" charset="0"/>
-                  <a:cs typeface="Arial" panose="020B0604020202020204" pitchFamily="34" charset="0"/>
-                </a:rPr>
-                <a:t>(Customer1)</a:t>
-              </a:r>
-              <a:endParaRPr kumimoji="1" lang="zh-CN" altLang="en-US" sz="1400" b="1" dirty="0">
-                <a:solidFill>
-                  <a:srgbClr val="383C57"/>
-                </a:solidFill>
-                <a:latin typeface="Arial" panose="020B0604020202020204" pitchFamily="34" charset="0"/>
-                <a:cs typeface="Arial" panose="020B0604020202020204" pitchFamily="34" charset="0"/>
-              </a:endParaRPr>
-            </a:p>
           </p:txBody>
         </p:sp>
         <p:cxnSp>
@@ -9422,8 +9208,8 @@
           </p:nvSpPr>
           <p:spPr>
             <a:xfrm>
-              <a:off x="8530976" y="4483360"/>
-              <a:ext cx="1691586" cy="523220"/>
+              <a:off x="8511379" y="4565474"/>
+              <a:ext cx="1691586" cy="307777"/>
             </a:xfrm>
             <a:prstGeom prst="rect">
               <a:avLst/>
@@ -9438,7 +9224,7 @@
             <a:p>
               <a:pPr algn="ctr"/>
               <a:r>
-                <a:rPr kumimoji="1" lang="en-US" altLang="zh-CN" sz="1400" b="1" dirty="0" err="1">
+                <a:rPr kumimoji="1" lang="en-US" altLang="zh-CN" sz="1400" b="1" dirty="0">
                   <a:solidFill>
                     <a:srgbClr val="383C57"/>
                   </a:solidFill>
@@ -9447,33 +9233,6 @@
                 </a:rPr>
                 <a:t>Redis</a:t>
               </a:r>
-              <a:endParaRPr kumimoji="1" lang="en-US" altLang="zh-CN" sz="1400" b="1" dirty="0">
-                <a:solidFill>
-                  <a:srgbClr val="383C57"/>
-                </a:solidFill>
-                <a:latin typeface="Arial" panose="020B0604020202020204" pitchFamily="34" charset="0"/>
-                <a:cs typeface="Arial" panose="020B0604020202020204" pitchFamily="34" charset="0"/>
-              </a:endParaRPr>
-            </a:p>
-            <a:p>
-              <a:pPr algn="ctr"/>
-              <a:r>
-                <a:rPr kumimoji="1" lang="en-US" altLang="zh-CN" sz="1400" b="1" dirty="0">
-                  <a:solidFill>
-                    <a:srgbClr val="383C57"/>
-                  </a:solidFill>
-                  <a:latin typeface="Arial" panose="020B0604020202020204" pitchFamily="34" charset="0"/>
-                  <a:cs typeface="Arial" panose="020B0604020202020204" pitchFamily="34" charset="0"/>
-                </a:rPr>
-                <a:t>(Customer1)</a:t>
-              </a:r>
-              <a:endParaRPr kumimoji="1" lang="zh-CN" altLang="en-US" sz="1400" b="1" dirty="0">
-                <a:solidFill>
-                  <a:srgbClr val="383C57"/>
-                </a:solidFill>
-                <a:latin typeface="Arial" panose="020B0604020202020204" pitchFamily="34" charset="0"/>
-                <a:cs typeface="Arial" panose="020B0604020202020204" pitchFamily="34" charset="0"/>
-              </a:endParaRPr>
             </a:p>
           </p:txBody>
         </p:sp>
@@ -9491,8 +9250,8 @@
           </p:nvSpPr>
           <p:spPr>
             <a:xfrm>
-              <a:off x="11880380" y="4502117"/>
-              <a:ext cx="1243431" cy="523220"/>
+              <a:off x="11762838" y="4600408"/>
+              <a:ext cx="1243431" cy="307777"/>
             </a:xfrm>
             <a:prstGeom prst="rect">
               <a:avLst/>
@@ -9516,26 +9275,6 @@
                 </a:rPr>
                 <a:t>TSDB</a:t>
               </a:r>
-            </a:p>
-            <a:p>
-              <a:pPr algn="ctr"/>
-              <a:r>
-                <a:rPr kumimoji="1" lang="en-US" altLang="zh-CN" sz="1400" b="1" dirty="0">
-                  <a:solidFill>
-                    <a:srgbClr val="383C57"/>
-                  </a:solidFill>
-                  <a:latin typeface="Arial" panose="020B0604020202020204" pitchFamily="34" charset="0"/>
-                  <a:cs typeface="Arial" panose="020B0604020202020204" pitchFamily="34" charset="0"/>
-                </a:rPr>
-                <a:t>(Customer1)</a:t>
-              </a:r>
-              <a:endParaRPr kumimoji="1" lang="zh-CN" altLang="en-US" sz="1400" b="1" dirty="0">
-                <a:solidFill>
-                  <a:srgbClr val="383C57"/>
-                </a:solidFill>
-                <a:latin typeface="Arial" panose="020B0604020202020204" pitchFamily="34" charset="0"/>
-                <a:cs typeface="Arial" panose="020B0604020202020204" pitchFamily="34" charset="0"/>
-              </a:endParaRPr>
             </a:p>
           </p:txBody>
         </p:sp>
